--- a/prez/IETF118/draft-ietf-teas-5g-ip-mpls.pptx
+++ b/prez/IETF118/draft-ietf-teas-5g-ip-mpls.pptx
@@ -4149,7 +4149,7 @@
             </a:r>
             <a:r>
               <a:rPr lang="fr-FR" dirty="0"/>
-              <a:t> of CFA Issues &amp; </a:t>
+              <a:t> of Issues &amp; </a:t>
             </a:r>
             <a:r>
               <a:rPr lang="fr-FR" dirty="0" err="1"/>
@@ -4210,7 +4210,7 @@
             <a:pPr lvl="1"/>
             <a:r>
               <a:rPr lang="en-US" sz="1800" dirty="0"/>
-              <a:t>The outcome is to keep the text in the realization I-D + Add NEW Scope text to both I-Ds to help deciding if similar issues are raised in the future</a:t>
+              <a:t>The outcome is to keep the text in the realization I-D + Add NEW Scope text to both I-Ds to help decide if similar issues are raised in the future</a:t>
             </a:r>
           </a:p>
           <a:p>
@@ -4809,7 +4809,7 @@
             </a:r>
             <a:r>
               <a:rPr lang="fr-FR" dirty="0"/>
-              <a:t> of CFA Issues &amp; </a:t>
+              <a:t> of Issues &amp; </a:t>
             </a:r>
             <a:r>
               <a:rPr lang="fr-FR" dirty="0" err="1"/>
@@ -5248,7 +5248,15 @@
           <a:p>
             <a:r>
               <a:rPr lang="en-US" sz="2400" dirty="0"/>
-              <a:t>The authors think that content is almost stable</a:t>
+              <a:t>The authors think </a:t>
+            </a:r>
+            <a:r>
+              <a:rPr lang="en-US" sz="2400"/>
+              <a:t>that the content </a:t>
+            </a:r>
+            <a:r>
+              <a:rPr lang="en-US" sz="2400" dirty="0"/>
+              <a:t>is almost stable</a:t>
             </a:r>
           </a:p>
           <a:p>
